--- a/docs/slides/find items.pptx
+++ b/docs/slides/find items.pptx
@@ -357,7 +357,7 @@
           <a:p>
             <a:fld id="{9629A0FB-7277-41B0-BEC2-EE35F8B0CE39}" type="datetimeFigureOut">
               <a:rPr lang="en-SG" smtClean="0"/>
-              <a:t>2/4/2020</a:t>
+              <a:t>5/4/2020</a:t>
             </a:fld>
             <a:endParaRPr lang="en-SG"/>
           </a:p>
@@ -3985,7 +3985,7 @@
         </p:nvSpPr>
         <p:spPr bwMode="auto">
           <a:xfrm>
-            <a:off x="517141" y="530788"/>
+            <a:off x="517141" y="523854"/>
             <a:ext cx="8534400" cy="5796424"/>
           </a:xfrm>
           <a:prstGeom prst="rect">
@@ -4626,86 +4626,6 @@
       </p:sp>
       <p:sp>
         <p:nvSpPr>
-          <p:cNvPr id="42" name="Text Box 11">
-            <a:extLst>
-              <a:ext uri="{FF2B5EF4-FFF2-40B4-BE49-F238E27FC236}">
-                <a16:creationId xmlns:a16="http://schemas.microsoft.com/office/drawing/2014/main" id="{569EC1FF-3CDF-4E6B-82B3-104CCA3F3E9D}"/>
-              </a:ext>
-            </a:extLst>
-          </p:cNvPr>
-          <p:cNvSpPr txBox="1">
-            <a:spLocks noChangeArrowheads="1"/>
-          </p:cNvSpPr>
-          <p:nvPr/>
-        </p:nvSpPr>
-        <p:spPr bwMode="auto">
-          <a:xfrm>
-            <a:off x="6705595" y="773924"/>
-            <a:ext cx="1676400" cy="600164"/>
-          </a:xfrm>
-          <a:prstGeom prst="rect">
-            <a:avLst/>
-          </a:prstGeom>
-          <a:solidFill>
-            <a:schemeClr val="bg2">
-              <a:lumMod val="75000"/>
-            </a:schemeClr>
-          </a:solidFill>
-          <a:ln w="19050">
-            <a:solidFill>
-              <a:schemeClr val="bg2">
-                <a:lumMod val="50000"/>
-              </a:schemeClr>
-            </a:solidFill>
-            <a:headEnd/>
-            <a:tailEnd/>
-          </a:ln>
-        </p:spPr>
-        <p:style>
-          <a:lnRef idx="1">
-            <a:schemeClr val="accent4"/>
-          </a:lnRef>
-          <a:fillRef idx="2">
-            <a:schemeClr val="accent4"/>
-          </a:fillRef>
-          <a:effectRef idx="1">
-            <a:schemeClr val="accent4"/>
-          </a:effectRef>
-          <a:fontRef idx="minor">
-            <a:schemeClr val="dk1"/>
-          </a:fontRef>
-        </p:style>
-        <p:txBody>
-          <a:bodyPr wrap="square" tIns="182880" bIns="182880">
-            <a:spAutoFit/>
-          </a:bodyPr>
-          <a:lstStyle/>
-          <a:p>
-            <a:pPr algn="ctr" defTabSz="872733">
-              <a:spcBef>
-                <a:spcPct val="50000"/>
-              </a:spcBef>
-              <a:buFont typeface="Wingdings" pitchFamily="2" charset="2"/>
-              <a:buNone/>
-            </a:pPr>
-            <a:r>
-              <a:rPr lang="en-US" sz="1500" dirty="0" err="1">
-                <a:solidFill>
-                  <a:prstClr val="black"/>
-                </a:solidFill>
-              </a:rPr>
-              <a:t>items:ShoppingList</a:t>
-            </a:r>
-            <a:endParaRPr lang="en-US" sz="1500" dirty="0">
-              <a:solidFill>
-                <a:prstClr val="black"/>
-              </a:solidFill>
-            </a:endParaRPr>
-          </a:p>
-        </p:txBody>
-      </p:sp>
-      <p:sp>
-        <p:nvSpPr>
           <p:cNvPr id="52" name="Line 13">
             <a:extLst>
               <a:ext uri="{FF2B5EF4-FFF2-40B4-BE49-F238E27FC236}">
@@ -4993,7 +4913,7 @@
           <a:p>
             <a:pPr defTabSz="872733"/>
             <a:r>
-              <a:rPr lang="en-US" sz="2000" dirty="0" err="1">
+              <a:rPr lang="en-US" sz="2000" b="1" dirty="0" err="1">
                 <a:solidFill>
                   <a:prstClr val="black"/>
                 </a:solidFill>
@@ -5197,90 +5117,6 @@
       </p:sp>
       <p:sp>
         <p:nvSpPr>
-          <p:cNvPr id="57" name="Text Box 11">
-            <a:extLst>
-              <a:ext uri="{FF2B5EF4-FFF2-40B4-BE49-F238E27FC236}">
-                <a16:creationId xmlns:a16="http://schemas.microsoft.com/office/drawing/2014/main" id="{9199A507-F5AC-4116-889D-1DBE85DD6FD4}"/>
-              </a:ext>
-            </a:extLst>
-          </p:cNvPr>
-          <p:cNvSpPr txBox="1">
-            <a:spLocks noChangeArrowheads="1"/>
-          </p:cNvSpPr>
-          <p:nvPr/>
-        </p:nvSpPr>
-        <p:spPr bwMode="auto">
-          <a:xfrm>
-            <a:off x="3370384" y="2145708"/>
-            <a:ext cx="2503362" cy="600164"/>
-          </a:xfrm>
-          <a:prstGeom prst="rect">
-            <a:avLst/>
-          </a:prstGeom>
-          <a:solidFill>
-            <a:schemeClr val="accent6">
-              <a:lumMod val="60000"/>
-              <a:lumOff val="40000"/>
-            </a:schemeClr>
-          </a:solidFill>
-          <a:ln w="19050">
-            <a:solidFill>
-              <a:schemeClr val="accent6">
-                <a:lumMod val="75000"/>
-              </a:schemeClr>
-            </a:solidFill>
-            <a:headEnd/>
-            <a:tailEnd/>
-          </a:ln>
-        </p:spPr>
-        <p:style>
-          <a:lnRef idx="1">
-            <a:schemeClr val="accent3"/>
-          </a:lnRef>
-          <a:fillRef idx="2">
-            <a:schemeClr val="accent3"/>
-          </a:fillRef>
-          <a:effectRef idx="1">
-            <a:schemeClr val="accent3"/>
-          </a:effectRef>
-          <a:fontRef idx="minor">
-            <a:schemeClr val="dk1"/>
-          </a:fontRef>
-        </p:style>
-        <p:txBody>
-          <a:bodyPr wrap="square" tIns="182880" bIns="182880">
-            <a:spAutoFit/>
-          </a:bodyPr>
-          <a:lstStyle/>
-          <a:p>
-            <a:pPr algn="ctr" defTabSz="872733">
-              <a:spcBef>
-                <a:spcPct val="50000"/>
-              </a:spcBef>
-              <a:buFont typeface="Wingdings" pitchFamily="2" charset="2"/>
-              <a:buNone/>
-            </a:pPr>
-            <a:r>
-              <a:rPr lang="en-US" sz="1500" dirty="0" err="1">
-                <a:solidFill>
-                  <a:prstClr val="black"/>
-                </a:solidFill>
-              </a:rPr>
-              <a:t>filteredItems:ArrayList</a:t>
-            </a:r>
-            <a:r>
-              <a:rPr lang="en-US" sz="1500" dirty="0">
-                <a:solidFill>
-                  <a:prstClr val="black"/>
-                </a:solidFill>
-              </a:rPr>
-              <a:t>&lt;Item&gt;</a:t>
-            </a:r>
-          </a:p>
-        </p:txBody>
-      </p:sp>
-      <p:sp>
-        <p:nvSpPr>
           <p:cNvPr id="58" name="Line 15">
             <a:extLst>
               <a:ext uri="{FF2B5EF4-FFF2-40B4-BE49-F238E27FC236}">
@@ -5304,9 +5140,7 @@
           <a:noFill/>
           <a:ln w="19050">
             <a:solidFill>
-              <a:schemeClr val="accent6">
-                <a:lumMod val="75000"/>
-              </a:schemeClr>
+              <a:srgbClr val="0070C0"/>
             </a:solidFill>
             <a:round/>
             <a:headEnd/>
@@ -5350,9 +5184,7 @@
           </a:prstGeom>
           <a:ln>
             <a:solidFill>
-              <a:schemeClr val="accent6">
-                <a:lumMod val="75000"/>
-              </a:schemeClr>
+              <a:srgbClr val="0070C0"/>
             </a:solidFill>
             <a:prstDash val="sysDash"/>
             <a:headEnd/>
@@ -5879,9 +5711,7 @@
           <a:noFill/>
           <a:ln w="19050">
             <a:solidFill>
-              <a:schemeClr val="accent6">
-                <a:lumMod val="75000"/>
-              </a:schemeClr>
+              <a:srgbClr val="0070C0"/>
             </a:solidFill>
             <a:round/>
             <a:headEnd/>
@@ -6402,9 +6232,7 @@
           <a:noFill/>
           <a:ln w="19050">
             <a:solidFill>
-              <a:schemeClr val="accent6">
-                <a:lumMod val="75000"/>
-              </a:schemeClr>
+              <a:srgbClr val="0070C0"/>
             </a:solidFill>
             <a:prstDash val="sysDash"/>
             <a:round/>
@@ -6422,6 +6250,185 @@
                 <a:prstClr val="black"/>
               </a:solidFill>
             </a:endParaRPr>
+          </a:p>
+        </p:txBody>
+      </p:sp>
+      <p:sp>
+        <p:nvSpPr>
+          <p:cNvPr id="26" name="Google Shape;62;p14">
+            <a:extLst>
+              <a:ext uri="{FF2B5EF4-FFF2-40B4-BE49-F238E27FC236}">
+                <a16:creationId xmlns:a16="http://schemas.microsoft.com/office/drawing/2014/main" id="{7DB4F17F-C472-4B19-AECE-8CC69163C829}"/>
+              </a:ext>
+            </a:extLst>
+          </p:cNvPr>
+          <p:cNvSpPr/>
+          <p:nvPr/>
+        </p:nvSpPr>
+        <p:spPr>
+          <a:xfrm>
+            <a:off x="6753713" y="904313"/>
+            <a:ext cx="1600193" cy="533595"/>
+          </a:xfrm>
+          <a:prstGeom prst="rect">
+            <a:avLst/>
+          </a:prstGeom>
+          <a:gradFill flip="none" rotWithShape="1">
+            <a:gsLst>
+              <a:gs pos="0">
+                <a:srgbClr val="C4B597">
+                  <a:tint val="66000"/>
+                  <a:satMod val="160000"/>
+                </a:srgbClr>
+              </a:gs>
+              <a:gs pos="50000">
+                <a:srgbClr val="C4B597">
+                  <a:tint val="44500"/>
+                  <a:satMod val="160000"/>
+                </a:srgbClr>
+              </a:gs>
+              <a:gs pos="100000">
+                <a:srgbClr val="C4B597">
+                  <a:tint val="23500"/>
+                  <a:satMod val="160000"/>
+                </a:srgbClr>
+              </a:gs>
+            </a:gsLst>
+            <a:lin ang="16200000" scaled="1"/>
+            <a:tileRect/>
+          </a:gradFill>
+          <a:ln w="19050" cap="flat" cmpd="sng">
+            <a:solidFill>
+              <a:srgbClr val="AB966D"/>
+            </a:solidFill>
+            <a:prstDash val="solid"/>
+            <a:round/>
+            <a:headEnd type="none" w="sm" len="sm"/>
+            <a:tailEnd type="none" w="sm" len="sm"/>
+          </a:ln>
+          <a:effectLst>
+            <a:outerShdw blurRad="40000" dist="20000" dir="5400000" rotWithShape="0">
+              <a:srgbClr val="000000">
+                <a:alpha val="37650"/>
+              </a:srgbClr>
+            </a:outerShdw>
+          </a:effectLst>
+        </p:spPr>
+        <p:txBody>
+          <a:bodyPr spcFirstLastPara="1" wrap="square" lIns="91425" tIns="45700" rIns="91425" bIns="45700" anchor="ctr" anchorCtr="0">
+            <a:noAutofit/>
+          </a:bodyPr>
+          <a:lstStyle/>
+          <a:p>
+            <a:pPr algn="ctr" defTabSz="872733">
+              <a:spcBef>
+                <a:spcPct val="50000"/>
+              </a:spcBef>
+              <a:buFont typeface="Wingdings" pitchFamily="2" charset="2"/>
+              <a:buNone/>
+            </a:pPr>
+            <a:r>
+              <a:rPr lang="en-US" sz="1400" dirty="0" err="1">
+                <a:solidFill>
+                  <a:prstClr val="black"/>
+                </a:solidFill>
+              </a:rPr>
+              <a:t>items:ShoppingList</a:t>
+            </a:r>
+            <a:endParaRPr lang="en-US" sz="1400" dirty="0">
+              <a:solidFill>
+                <a:prstClr val="black"/>
+              </a:solidFill>
+            </a:endParaRPr>
+          </a:p>
+        </p:txBody>
+      </p:sp>
+      <p:sp>
+        <p:nvSpPr>
+          <p:cNvPr id="27" name="Google Shape;61;p14">
+            <a:extLst>
+              <a:ext uri="{FF2B5EF4-FFF2-40B4-BE49-F238E27FC236}">
+                <a16:creationId xmlns:a16="http://schemas.microsoft.com/office/drawing/2014/main" id="{E6261CD8-BF43-4A6A-A44B-FDC1D1AB7D28}"/>
+              </a:ext>
+            </a:extLst>
+          </p:cNvPr>
+          <p:cNvSpPr/>
+          <p:nvPr/>
+        </p:nvSpPr>
+        <p:spPr>
+          <a:xfrm>
+            <a:off x="3376659" y="2107857"/>
+            <a:ext cx="2537640" cy="618720"/>
+          </a:xfrm>
+          <a:prstGeom prst="rect">
+            <a:avLst/>
+          </a:prstGeom>
+          <a:gradFill>
+            <a:gsLst>
+              <a:gs pos="0">
+                <a:srgbClr val="9FC3FF"/>
+              </a:gs>
+              <a:gs pos="35000">
+                <a:srgbClr val="BDD5FF"/>
+              </a:gs>
+              <a:gs pos="100000">
+                <a:srgbClr val="E4EEFF"/>
+              </a:gs>
+            </a:gsLst>
+            <a:lin ang="16198662" scaled="0"/>
+          </a:gradFill>
+          <a:ln w="19050" cap="flat" cmpd="sng">
+            <a:solidFill>
+              <a:srgbClr val="9FC3FF"/>
+            </a:solidFill>
+            <a:prstDash val="solid"/>
+            <a:round/>
+            <a:headEnd type="none" w="sm" len="sm"/>
+            <a:tailEnd type="none" w="sm" len="sm"/>
+          </a:ln>
+          <a:effectLst>
+            <a:outerShdw blurRad="40000" dist="20000" dir="5400000" rotWithShape="0">
+              <a:srgbClr val="000000">
+                <a:alpha val="37650"/>
+              </a:srgbClr>
+            </a:outerShdw>
+          </a:effectLst>
+        </p:spPr>
+        <p:txBody>
+          <a:bodyPr spcFirstLastPara="1" wrap="square" lIns="91425" tIns="45700" rIns="91425" bIns="45700" anchor="ctr" anchorCtr="0">
+            <a:noAutofit/>
+          </a:bodyPr>
+          <a:lstStyle/>
+          <a:p>
+            <a:pPr algn="ctr"/>
+            <a:endParaRPr lang="en-US" sz="1400" dirty="0">
+              <a:solidFill>
+                <a:prstClr val="black"/>
+              </a:solidFill>
+            </a:endParaRPr>
+          </a:p>
+          <a:p>
+            <a:pPr algn="ctr"/>
+            <a:r>
+              <a:rPr lang="en-US" sz="1400" dirty="0" err="1">
+                <a:solidFill>
+                  <a:prstClr val="black"/>
+                </a:solidFill>
+              </a:rPr>
+              <a:t>filteredItems:ArrayList</a:t>
+            </a:r>
+            <a:r>
+              <a:rPr lang="en-US" sz="1400" dirty="0">
+                <a:solidFill>
+                  <a:prstClr val="black"/>
+                </a:solidFill>
+              </a:rPr>
+              <a:t>&lt;Item&gt;</a:t>
+            </a:r>
+          </a:p>
+          <a:p>
+            <a:pPr algn="ctr"/>
+            <a:endParaRPr lang="en-SG" sz="1300" dirty="0"/>
           </a:p>
         </p:txBody>
       </p:sp>
@@ -6526,7 +6533,7 @@
                                           </p:stCondLst>
                                         </p:cTn>
                                         <p:tgtEl>
-                                          <p:spTgt spid="42"/>
+                                          <p:spTgt spid="52"/>
                                         </p:tgtEl>
                                         <p:attrNameLst>
                                           <p:attrName>style.visibility</p:attrName>
@@ -6540,7 +6547,7 @@
                                 </p:cTn>
                               </p:par>
                               <p:par>
-                                <p:cTn id="11" presetID="1" presetClass="exit" presetSubtype="0" fill="hold" grpId="0" nodeType="withEffect">
+                                <p:cTn id="11" presetID="1" presetClass="entr" presetSubtype="0" fill="hold" grpId="0" nodeType="withEffect">
                                   <p:stCondLst>
                                     <p:cond delay="0"/>
                                   </p:stCondLst>
@@ -6553,14 +6560,14 @@
                                           </p:stCondLst>
                                         </p:cTn>
                                         <p:tgtEl>
-                                          <p:spTgt spid="52"/>
+                                          <p:spTgt spid="32"/>
                                         </p:tgtEl>
                                         <p:attrNameLst>
                                           <p:attrName>style.visibility</p:attrName>
                                         </p:attrNameLst>
                                       </p:cBhvr>
                                       <p:to>
-                                        <p:strVal val="hidden"/>
+                                        <p:strVal val="visible"/>
                                       </p:to>
                                     </p:set>
                                   </p:childTnLst>
@@ -6580,7 +6587,7 @@
                                           </p:stCondLst>
                                         </p:cTn>
                                         <p:tgtEl>
-                                          <p:spTgt spid="32"/>
+                                          <p:spTgt spid="35"/>
                                         </p:tgtEl>
                                         <p:attrNameLst>
                                           <p:attrName>style.visibility</p:attrName>
@@ -6607,7 +6614,7 @@
                                           </p:stCondLst>
                                         </p:cTn>
                                         <p:tgtEl>
-                                          <p:spTgt spid="35"/>
+                                          <p:spTgt spid="36"/>
                                         </p:tgtEl>
                                         <p:attrNameLst>
                                           <p:attrName>style.visibility</p:attrName>
@@ -6634,7 +6641,7 @@
                                           </p:stCondLst>
                                         </p:cTn>
                                         <p:tgtEl>
-                                          <p:spTgt spid="36"/>
+                                          <p:spTgt spid="39"/>
                                         </p:tgtEl>
                                         <p:attrNameLst>
                                           <p:attrName>style.visibility</p:attrName>
@@ -6661,7 +6668,7 @@
                                           </p:stCondLst>
                                         </p:cTn>
                                         <p:tgtEl>
-                                          <p:spTgt spid="39"/>
+                                          <p:spTgt spid="41"/>
                                         </p:tgtEl>
                                         <p:attrNameLst>
                                           <p:attrName>style.visibility</p:attrName>
@@ -6688,7 +6695,7 @@
                                           </p:stCondLst>
                                         </p:cTn>
                                         <p:tgtEl>
-                                          <p:spTgt spid="41"/>
+                                          <p:spTgt spid="56"/>
                                         </p:tgtEl>
                                         <p:attrNameLst>
                                           <p:attrName>style.visibility</p:attrName>
@@ -6702,7 +6709,7 @@
                                 </p:cTn>
                               </p:par>
                               <p:par>
-                                <p:cTn id="23" presetID="1" presetClass="entr" presetSubtype="0" fill="hold" grpId="0" nodeType="withEffect">
+                                <p:cTn id="23" presetID="1" presetClass="exit" presetSubtype="0" fill="hold" grpId="0" nodeType="withEffect">
                                   <p:stCondLst>
                                     <p:cond delay="0"/>
                                   </p:stCondLst>
@@ -6715,14 +6722,14 @@
                                           </p:stCondLst>
                                         </p:cTn>
                                         <p:tgtEl>
-                                          <p:spTgt spid="56"/>
+                                          <p:spTgt spid="58"/>
                                         </p:tgtEl>
                                         <p:attrNameLst>
                                           <p:attrName>style.visibility</p:attrName>
                                         </p:attrNameLst>
                                       </p:cBhvr>
                                       <p:to>
-                                        <p:strVal val="visible"/>
+                                        <p:strVal val="hidden"/>
                                       </p:to>
                                     </p:set>
                                   </p:childTnLst>
@@ -6742,7 +6749,7 @@
                                           </p:stCondLst>
                                         </p:cTn>
                                         <p:tgtEl>
-                                          <p:spTgt spid="57"/>
+                                          <p:spTgt spid="59"/>
                                         </p:tgtEl>
                                         <p:attrNameLst>
                                           <p:attrName>style.visibility</p:attrName>
@@ -6769,7 +6776,7 @@
                                           </p:stCondLst>
                                         </p:cTn>
                                         <p:tgtEl>
-                                          <p:spTgt spid="58"/>
+                                          <p:spTgt spid="60"/>
                                         </p:tgtEl>
                                         <p:attrNameLst>
                                           <p:attrName>style.visibility</p:attrName>
@@ -6783,7 +6790,7 @@
                                 </p:cTn>
                               </p:par>
                               <p:par>
-                                <p:cTn id="29" presetID="1" presetClass="exit" presetSubtype="0" fill="hold" grpId="0" nodeType="withEffect">
+                                <p:cTn id="29" presetID="1" presetClass="entr" presetSubtype="0" fill="hold" grpId="0" nodeType="withEffect">
                                   <p:stCondLst>
                                     <p:cond delay="0"/>
                                   </p:stCondLst>
@@ -6796,14 +6803,14 @@
                                           </p:stCondLst>
                                         </p:cTn>
                                         <p:tgtEl>
-                                          <p:spTgt spid="59"/>
+                                          <p:spTgt spid="61"/>
                                         </p:tgtEl>
                                         <p:attrNameLst>
                                           <p:attrName>style.visibility</p:attrName>
                                         </p:attrNameLst>
                                       </p:cBhvr>
                                       <p:to>
-                                        <p:strVal val="hidden"/>
+                                        <p:strVal val="visible"/>
                                       </p:to>
                                     </p:set>
                                   </p:childTnLst>
@@ -6823,7 +6830,7 @@
                                           </p:stCondLst>
                                         </p:cTn>
                                         <p:tgtEl>
-                                          <p:spTgt spid="60"/>
+                                          <p:spTgt spid="62"/>
                                         </p:tgtEl>
                                         <p:attrNameLst>
                                           <p:attrName>style.visibility</p:attrName>
@@ -6850,7 +6857,7 @@
                                           </p:stCondLst>
                                         </p:cTn>
                                         <p:tgtEl>
-                                          <p:spTgt spid="61"/>
+                                          <p:spTgt spid="63"/>
                                         </p:tgtEl>
                                         <p:attrNameLst>
                                           <p:attrName>style.visibility</p:attrName>
@@ -6864,7 +6871,7 @@
                                 </p:cTn>
                               </p:par>
                               <p:par>
-                                <p:cTn id="35" presetID="1" presetClass="exit" presetSubtype="0" fill="hold" grpId="0" nodeType="withEffect">
+                                <p:cTn id="35" presetID="1" presetClass="entr" presetSubtype="0" fill="hold" grpId="0" nodeType="withEffect">
                                   <p:stCondLst>
                                     <p:cond delay="0"/>
                                   </p:stCondLst>
@@ -6877,14 +6884,14 @@
                                           </p:stCondLst>
                                         </p:cTn>
                                         <p:tgtEl>
-                                          <p:spTgt spid="62"/>
+                                          <p:spTgt spid="64"/>
                                         </p:tgtEl>
                                         <p:attrNameLst>
                                           <p:attrName>style.visibility</p:attrName>
                                         </p:attrNameLst>
                                       </p:cBhvr>
                                       <p:to>
-                                        <p:strVal val="hidden"/>
+                                        <p:strVal val="visible"/>
                                       </p:to>
                                     </p:set>
                                   </p:childTnLst>
@@ -6904,7 +6911,7 @@
                                           </p:stCondLst>
                                         </p:cTn>
                                         <p:tgtEl>
-                                          <p:spTgt spid="63"/>
+                                          <p:spTgt spid="65"/>
                                         </p:tgtEl>
                                         <p:attrNameLst>
                                           <p:attrName>style.visibility</p:attrName>
@@ -6931,7 +6938,7 @@
                                           </p:stCondLst>
                                         </p:cTn>
                                         <p:tgtEl>
-                                          <p:spTgt spid="64"/>
+                                          <p:spTgt spid="67"/>
                                         </p:tgtEl>
                                         <p:attrNameLst>
                                           <p:attrName>style.visibility</p:attrName>
@@ -6945,7 +6952,7 @@
                                 </p:cTn>
                               </p:par>
                               <p:par>
-                                <p:cTn id="41" presetID="1" presetClass="entr" presetSubtype="0" fill="hold" grpId="0" nodeType="withEffect">
+                                <p:cTn id="41" presetID="1" presetClass="exit" presetSubtype="0" fill="hold" grpId="0" nodeType="withEffect">
                                   <p:stCondLst>
                                     <p:cond delay="0"/>
                                   </p:stCondLst>
@@ -6958,14 +6965,14 @@
                                           </p:stCondLst>
                                         </p:cTn>
                                         <p:tgtEl>
-                                          <p:spTgt spid="65"/>
+                                          <p:spTgt spid="68"/>
                                         </p:tgtEl>
                                         <p:attrNameLst>
                                           <p:attrName>style.visibility</p:attrName>
                                         </p:attrNameLst>
                                       </p:cBhvr>
                                       <p:to>
-                                        <p:strVal val="visible"/>
+                                        <p:strVal val="hidden"/>
                                       </p:to>
                                     </p:set>
                                   </p:childTnLst>
@@ -6985,7 +6992,7 @@
                                           </p:stCondLst>
                                         </p:cTn>
                                         <p:tgtEl>
-                                          <p:spTgt spid="67"/>
+                                          <p:spTgt spid="69"/>
                                         </p:tgtEl>
                                         <p:attrNameLst>
                                           <p:attrName>style.visibility</p:attrName>
@@ -7007,60 +7014,6 @@
                                     <p:set>
                                       <p:cBhvr>
                                         <p:cTn id="46" dur="1" fill="hold">
-                                          <p:stCondLst>
-                                            <p:cond delay="0"/>
-                                          </p:stCondLst>
-                                        </p:cTn>
-                                        <p:tgtEl>
-                                          <p:spTgt spid="68"/>
-                                        </p:tgtEl>
-                                        <p:attrNameLst>
-                                          <p:attrName>style.visibility</p:attrName>
-                                        </p:attrNameLst>
-                                      </p:cBhvr>
-                                      <p:to>
-                                        <p:strVal val="hidden"/>
-                                      </p:to>
-                                    </p:set>
-                                  </p:childTnLst>
-                                </p:cTn>
-                              </p:par>
-                              <p:par>
-                                <p:cTn id="47" presetID="1" presetClass="entr" presetSubtype="0" fill="hold" grpId="0" nodeType="withEffect">
-                                  <p:stCondLst>
-                                    <p:cond delay="0"/>
-                                  </p:stCondLst>
-                                  <p:childTnLst>
-                                    <p:set>
-                                      <p:cBhvr>
-                                        <p:cTn id="48" dur="1" fill="hold">
-                                          <p:stCondLst>
-                                            <p:cond delay="0"/>
-                                          </p:stCondLst>
-                                        </p:cTn>
-                                        <p:tgtEl>
-                                          <p:spTgt spid="69"/>
-                                        </p:tgtEl>
-                                        <p:attrNameLst>
-                                          <p:attrName>style.visibility</p:attrName>
-                                        </p:attrNameLst>
-                                      </p:cBhvr>
-                                      <p:to>
-                                        <p:strVal val="visible"/>
-                                      </p:to>
-                                    </p:set>
-                                  </p:childTnLst>
-                                </p:cTn>
-                              </p:par>
-                              <p:par>
-                                <p:cTn id="49" presetID="1" presetClass="exit" presetSubtype="0" fill="hold" grpId="0" nodeType="withEffect">
-                                  <p:stCondLst>
-                                    <p:cond delay="0"/>
-                                  </p:stCondLst>
-                                  <p:childTnLst>
-                                    <p:set>
-                                      <p:cBhvr>
-                                        <p:cTn id="50" dur="1" fill="hold">
                                           <p:stCondLst>
                                             <p:cond delay="0"/>
                                           </p:stCondLst>
@@ -7112,12 +7065,10 @@
       <p:bldP spid="64" grpId="0" animBg="1"/>
       <p:bldP spid="41" grpId="0" animBg="1"/>
       <p:bldP spid="18" grpId="0" animBg="1"/>
-      <p:bldP spid="42" grpId="0" animBg="1"/>
       <p:bldP spid="52" grpId="0" animBg="1"/>
       <p:bldP spid="35" grpId="0" animBg="1"/>
       <p:bldP spid="36" grpId="0"/>
       <p:bldP spid="56" grpId="0"/>
-      <p:bldP spid="57" grpId="0" animBg="1"/>
       <p:bldP spid="58" grpId="0" animBg="1"/>
       <p:bldP spid="59" grpId="0" animBg="1"/>
       <p:bldP spid="60" grpId="0" animBg="1"/>

--- a/docs/slides/find items.pptx
+++ b/docs/slides/find items.pptx
@@ -3969,181 +3969,314 @@
           <a:chExt cx="0" cy="0"/>
         </a:xfrm>
       </p:grpSpPr>
-      <p:sp>
-        <p:nvSpPr>
-          <p:cNvPr id="32" name="Rectangle 31">
+      <p:grpSp>
+        <p:nvGrpSpPr>
+          <p:cNvPr id="25" name="Group 24">
             <a:extLst>
               <a:ext uri="{FF2B5EF4-FFF2-40B4-BE49-F238E27FC236}">
-                <a16:creationId xmlns:a16="http://schemas.microsoft.com/office/drawing/2014/main" id="{E7BAA58F-A872-4FEF-AD11-8205C35F6FBC}"/>
+                <a16:creationId xmlns:a16="http://schemas.microsoft.com/office/drawing/2014/main" id="{7F15A26F-7981-45E0-B4A5-A9440E761707}"/>
               </a:ext>
             </a:extLst>
           </p:cNvPr>
-          <p:cNvSpPr>
-            <a:spLocks noChangeArrowheads="1"/>
-          </p:cNvSpPr>
+          <p:cNvGrpSpPr/>
           <p:nvPr/>
-        </p:nvSpPr>
-        <p:spPr bwMode="auto">
+        </p:nvGrpSpPr>
+        <p:grpSpPr>
           <a:xfrm>
-            <a:off x="517141" y="523854"/>
-            <a:ext cx="8534400" cy="5796424"/>
+            <a:off x="196378" y="258847"/>
+            <a:ext cx="8703502" cy="6068367"/>
+            <a:chOff x="398286" y="343957"/>
+            <a:chExt cx="8593314" cy="6056843"/>
           </a:xfrm>
-          <a:prstGeom prst="rect">
-            <a:avLst/>
-          </a:prstGeom>
-          <a:solidFill>
-            <a:srgbClr val="33CCFF"/>
-          </a:solidFill>
-          <a:ln w="19050" algn="ctr">
-            <a:solidFill>
-              <a:srgbClr val="0070C0"/>
-            </a:solidFill>
-            <a:miter lim="800000"/>
-            <a:headEnd/>
-            <a:tailEnd/>
-          </a:ln>
-        </p:spPr>
-        <p:txBody>
-          <a:bodyPr wrap="none" anchor="ctr"/>
-          <a:lstStyle>
-            <a:defPPr>
-              <a:defRPr lang="en-SG"/>
-            </a:defPPr>
-            <a:lvl1pPr algn="l" rtl="0" fontAlgn="base">
-              <a:spcBef>
-                <a:spcPct val="0"/>
-              </a:spcBef>
-              <a:spcAft>
-                <a:spcPct val="0"/>
-              </a:spcAft>
-              <a:defRPr kern="1200">
-                <a:solidFill>
-                  <a:schemeClr val="tx1"/>
-                </a:solidFill>
-                <a:latin typeface="Arial" charset="0"/>
+        </p:grpSpPr>
+        <p:sp>
+          <p:nvSpPr>
+            <p:cNvPr id="48" name="Rectangle 47">
+              <a:extLst>
+                <a:ext uri="{FF2B5EF4-FFF2-40B4-BE49-F238E27FC236}">
+                  <a16:creationId xmlns:a16="http://schemas.microsoft.com/office/drawing/2014/main" id="{DB83AD2C-F7B8-45FF-80D9-55AA4B36EA0E}"/>
+                </a:ext>
+              </a:extLst>
+            </p:cNvPr>
+            <p:cNvSpPr/>
+            <p:nvPr/>
+          </p:nvSpPr>
+          <p:spPr>
+            <a:xfrm>
+              <a:off x="398286" y="343957"/>
+              <a:ext cx="8593314" cy="6056843"/>
+            </a:xfrm>
+            <a:prstGeom prst="rect">
+              <a:avLst/>
+            </a:prstGeom>
+            <a:gradFill rotWithShape="1">
+              <a:gsLst>
+                <a:gs pos="0">
+                  <a:srgbClr val="4F81BD">
+                    <a:tint val="50000"/>
+                    <a:satMod val="300000"/>
+                  </a:srgbClr>
+                </a:gs>
+                <a:gs pos="35000">
+                  <a:srgbClr val="4F81BD">
+                    <a:tint val="37000"/>
+                    <a:satMod val="300000"/>
+                  </a:srgbClr>
+                </a:gs>
+                <a:gs pos="100000">
+                  <a:srgbClr val="4F81BD">
+                    <a:tint val="15000"/>
+                    <a:satMod val="350000"/>
+                  </a:srgbClr>
+                </a:gs>
+              </a:gsLst>
+              <a:lin ang="16200000" scaled="1"/>
+            </a:gradFill>
+            <a:ln w="9525" cap="flat" cmpd="sng" algn="ctr">
+              <a:solidFill>
+                <a:srgbClr val="4F81BD">
+                  <a:shade val="95000"/>
+                  <a:satMod val="105000"/>
+                </a:srgbClr>
+              </a:solidFill>
+              <a:prstDash val="solid"/>
+            </a:ln>
+            <a:effectLst>
+              <a:outerShdw blurRad="40000" dist="20000" dir="5400000" rotWithShape="0">
+                <a:srgbClr val="000000">
+                  <a:alpha val="38000"/>
+                </a:srgbClr>
+              </a:outerShdw>
+            </a:effectLst>
+          </p:spPr>
+          <p:txBody>
+            <a:bodyPr rtlCol="0" anchor="ctr"/>
+            <a:lstStyle/>
+            <a:p>
+              <a:pPr marL="0" marR="0" lvl="0" indent="0" algn="ctr" defTabSz="914400" eaLnBrk="1" fontAlgn="auto" latinLnBrk="0" hangingPunct="1">
+                <a:lnSpc>
+                  <a:spcPct val="100000"/>
+                </a:lnSpc>
+                <a:spcBef>
+                  <a:spcPts val="0"/>
+                </a:spcBef>
+                <a:spcAft>
+                  <a:spcPts val="0"/>
+                </a:spcAft>
+                <a:buClrTx/>
+                <a:buSzTx/>
+                <a:buFontTx/>
+                <a:buNone/>
+                <a:tabLst/>
+                <a:defRPr/>
+              </a:pPr>
+              <a:endParaRPr kumimoji="0" lang="en-SG" sz="1800" b="0" i="0" u="none" strike="noStrike" kern="0" cap="none" spc="0" normalizeH="0" baseline="0" noProof="0">
+                <a:ln>
+                  <a:noFill/>
+                </a:ln>
+                <a:solidFill>
+                  <a:prstClr val="black"/>
+                </a:solidFill>
+                <a:effectLst/>
+                <a:uLnTx/>
+                <a:uFillTx/>
+                <a:latin typeface="Calibri"/>
+                <a:ea typeface="+mn-ea"/>
+                <a:cs typeface="+mn-cs"/>
+              </a:endParaRPr>
+            </a:p>
+          </p:txBody>
+        </p:sp>
+        <p:sp>
+          <p:nvSpPr>
+            <p:cNvPr id="46" name="Rectangle 45">
+              <a:extLst>
+                <a:ext uri="{FF2B5EF4-FFF2-40B4-BE49-F238E27FC236}">
+                  <a16:creationId xmlns:a16="http://schemas.microsoft.com/office/drawing/2014/main" id="{1C071497-0DE6-468F-861B-3BFB37EC2E52}"/>
+                </a:ext>
+              </a:extLst>
+            </p:cNvPr>
+            <p:cNvSpPr/>
+            <p:nvPr/>
+          </p:nvSpPr>
+          <p:spPr bwMode="auto">
+            <a:xfrm>
+              <a:off x="3119344" y="4307962"/>
+              <a:ext cx="2429876" cy="656576"/>
+            </a:xfrm>
+            <a:prstGeom prst="rect">
+              <a:avLst/>
+            </a:prstGeom>
+            <a:noFill/>
+            <a:ln w="25400" cap="flat" cmpd="sng" algn="ctr">
+              <a:noFill/>
+              <a:prstDash val="solid"/>
+            </a:ln>
+            <a:effectLst/>
+          </p:spPr>
+          <p:txBody>
+            <a:bodyPr anchor="ctr"/>
+            <a:lstStyle>
+              <a:defPPr>
+                <a:defRPr lang="en-SG"/>
+              </a:defPPr>
+              <a:lvl1pPr algn="l" rtl="0" fontAlgn="base">
+                <a:spcBef>
+                  <a:spcPct val="0"/>
+                </a:spcBef>
+                <a:spcAft>
+                  <a:spcPct val="0"/>
+                </a:spcAft>
+                <a:defRPr kern="1200">
+                  <a:solidFill>
+                    <a:schemeClr val="lt1"/>
+                  </a:solidFill>
+                  <a:latin typeface="+mn-lt"/>
+                  <a:ea typeface="+mn-ea"/>
+                  <a:cs typeface="+mn-cs"/>
+                </a:defRPr>
+              </a:lvl1pPr>
+              <a:lvl2pPr marL="457200" algn="l" rtl="0" fontAlgn="base">
+                <a:spcBef>
+                  <a:spcPct val="0"/>
+                </a:spcBef>
+                <a:spcAft>
+                  <a:spcPct val="0"/>
+                </a:spcAft>
+                <a:defRPr kern="1200">
+                  <a:solidFill>
+                    <a:schemeClr val="lt1"/>
+                  </a:solidFill>
+                  <a:latin typeface="+mn-lt"/>
+                  <a:ea typeface="+mn-ea"/>
+                  <a:cs typeface="+mn-cs"/>
+                </a:defRPr>
+              </a:lvl2pPr>
+              <a:lvl3pPr marL="914400" algn="l" rtl="0" fontAlgn="base">
+                <a:spcBef>
+                  <a:spcPct val="0"/>
+                </a:spcBef>
+                <a:spcAft>
+                  <a:spcPct val="0"/>
+                </a:spcAft>
+                <a:defRPr kern="1200">
+                  <a:solidFill>
+                    <a:schemeClr val="lt1"/>
+                  </a:solidFill>
+                  <a:latin typeface="+mn-lt"/>
+                  <a:ea typeface="+mn-ea"/>
+                  <a:cs typeface="+mn-cs"/>
+                </a:defRPr>
+              </a:lvl3pPr>
+              <a:lvl4pPr marL="1371600" algn="l" rtl="0" fontAlgn="base">
+                <a:spcBef>
+                  <a:spcPct val="0"/>
+                </a:spcBef>
+                <a:spcAft>
+                  <a:spcPct val="0"/>
+                </a:spcAft>
+                <a:defRPr kern="1200">
+                  <a:solidFill>
+                    <a:schemeClr val="lt1"/>
+                  </a:solidFill>
+                  <a:latin typeface="+mn-lt"/>
+                  <a:ea typeface="+mn-ea"/>
+                  <a:cs typeface="+mn-cs"/>
+                </a:defRPr>
+              </a:lvl4pPr>
+              <a:lvl5pPr marL="1828800" algn="l" rtl="0" fontAlgn="base">
+                <a:spcBef>
+                  <a:spcPct val="0"/>
+                </a:spcBef>
+                <a:spcAft>
+                  <a:spcPct val="0"/>
+                </a:spcAft>
+                <a:defRPr kern="1200">
+                  <a:solidFill>
+                    <a:schemeClr val="lt1"/>
+                  </a:solidFill>
+                  <a:latin typeface="+mn-lt"/>
+                  <a:ea typeface="+mn-ea"/>
+                  <a:cs typeface="+mn-cs"/>
+                </a:defRPr>
+              </a:lvl5pPr>
+              <a:lvl6pPr marL="2286000" algn="l" defTabSz="914400" rtl="0" eaLnBrk="1" latinLnBrk="0" hangingPunct="1">
+                <a:defRPr kern="1200">
+                  <a:solidFill>
+                    <a:schemeClr val="lt1"/>
+                  </a:solidFill>
+                  <a:latin typeface="+mn-lt"/>
+                  <a:ea typeface="+mn-ea"/>
+                  <a:cs typeface="+mn-cs"/>
+                </a:defRPr>
+              </a:lvl6pPr>
+              <a:lvl7pPr marL="2743200" algn="l" defTabSz="914400" rtl="0" eaLnBrk="1" latinLnBrk="0" hangingPunct="1">
+                <a:defRPr kern="1200">
+                  <a:solidFill>
+                    <a:schemeClr val="lt1"/>
+                  </a:solidFill>
+                  <a:latin typeface="+mn-lt"/>
+                  <a:ea typeface="+mn-ea"/>
+                  <a:cs typeface="+mn-cs"/>
+                </a:defRPr>
+              </a:lvl7pPr>
+              <a:lvl8pPr marL="3200400" algn="l" defTabSz="914400" rtl="0" eaLnBrk="1" latinLnBrk="0" hangingPunct="1">
+                <a:defRPr kern="1200">
+                  <a:solidFill>
+                    <a:schemeClr val="lt1"/>
+                  </a:solidFill>
+                  <a:latin typeface="+mn-lt"/>
+                  <a:ea typeface="+mn-ea"/>
+                  <a:cs typeface="+mn-cs"/>
+                </a:defRPr>
+              </a:lvl8pPr>
+              <a:lvl9pPr marL="3657600" algn="l" defTabSz="914400" rtl="0" eaLnBrk="1" latinLnBrk="0" hangingPunct="1">
+                <a:defRPr kern="1200">
+                  <a:solidFill>
+                    <a:schemeClr val="lt1"/>
+                  </a:solidFill>
+                  <a:latin typeface="+mn-lt"/>
+                  <a:ea typeface="+mn-ea"/>
+                  <a:cs typeface="+mn-cs"/>
+                </a:defRPr>
+              </a:lvl9pPr>
+            </a:lstStyle>
+            <a:p>
+              <a:pPr marL="0" marR="0" lvl="0" indent="0" algn="l" defTabSz="872733" rtl="0" eaLnBrk="1" fontAlgn="base" latinLnBrk="0" hangingPunct="1">
+                <a:lnSpc>
+                  <a:spcPct val="100000"/>
+                </a:lnSpc>
+                <a:spcBef>
+                  <a:spcPct val="0"/>
+                </a:spcBef>
+                <a:spcAft>
+                  <a:spcPct val="0"/>
+                </a:spcAft>
+                <a:buClrTx/>
+                <a:buSzTx/>
+                <a:buFontTx/>
+                <a:buNone/>
+                <a:tabLst/>
+                <a:defRPr/>
+              </a:pPr>
+              <a:endParaRPr kumimoji="0" lang="en-US" sz="2000" b="0" i="0" u="none" strike="noStrike" kern="1200" cap="none" spc="0" normalizeH="0" baseline="0" noProof="0" dirty="0">
+                <a:ln>
+                  <a:noFill/>
+                </a:ln>
+                <a:solidFill>
+                  <a:prstClr val="black"/>
+                </a:solidFill>
+                <a:effectLst/>
+                <a:uLnTx/>
+                <a:uFillTx/>
+                <a:latin typeface="Calibri"/>
                 <a:ea typeface="+mn-ea"/>
                 <a:cs typeface="Arial" charset="0"/>
-              </a:defRPr>
-            </a:lvl1pPr>
-            <a:lvl2pPr marL="457200" algn="l" rtl="0" fontAlgn="base">
-              <a:spcBef>
-                <a:spcPct val="0"/>
-              </a:spcBef>
-              <a:spcAft>
-                <a:spcPct val="0"/>
-              </a:spcAft>
-              <a:defRPr kern="1200">
-                <a:solidFill>
-                  <a:schemeClr val="tx1"/>
-                </a:solidFill>
-                <a:latin typeface="Arial" charset="0"/>
-                <a:ea typeface="+mn-ea"/>
-                <a:cs typeface="Arial" charset="0"/>
-              </a:defRPr>
-            </a:lvl2pPr>
-            <a:lvl3pPr marL="914400" algn="l" rtl="0" fontAlgn="base">
-              <a:spcBef>
-                <a:spcPct val="0"/>
-              </a:spcBef>
-              <a:spcAft>
-                <a:spcPct val="0"/>
-              </a:spcAft>
-              <a:defRPr kern="1200">
-                <a:solidFill>
-                  <a:schemeClr val="tx1"/>
-                </a:solidFill>
-                <a:latin typeface="Arial" charset="0"/>
-                <a:ea typeface="+mn-ea"/>
-                <a:cs typeface="Arial" charset="0"/>
-              </a:defRPr>
-            </a:lvl3pPr>
-            <a:lvl4pPr marL="1371600" algn="l" rtl="0" fontAlgn="base">
-              <a:spcBef>
-                <a:spcPct val="0"/>
-              </a:spcBef>
-              <a:spcAft>
-                <a:spcPct val="0"/>
-              </a:spcAft>
-              <a:defRPr kern="1200">
-                <a:solidFill>
-                  <a:schemeClr val="tx1"/>
-                </a:solidFill>
-                <a:latin typeface="Arial" charset="0"/>
-                <a:ea typeface="+mn-ea"/>
-                <a:cs typeface="Arial" charset="0"/>
-              </a:defRPr>
-            </a:lvl4pPr>
-            <a:lvl5pPr marL="1828800" algn="l" rtl="0" fontAlgn="base">
-              <a:spcBef>
-                <a:spcPct val="0"/>
-              </a:spcBef>
-              <a:spcAft>
-                <a:spcPct val="0"/>
-              </a:spcAft>
-              <a:defRPr kern="1200">
-                <a:solidFill>
-                  <a:schemeClr val="tx1"/>
-                </a:solidFill>
-                <a:latin typeface="Arial" charset="0"/>
-                <a:ea typeface="+mn-ea"/>
-                <a:cs typeface="Arial" charset="0"/>
-              </a:defRPr>
-            </a:lvl5pPr>
-            <a:lvl6pPr marL="2286000" algn="l" defTabSz="914400" rtl="0" eaLnBrk="1" latinLnBrk="0" hangingPunct="1">
-              <a:defRPr kern="1200">
-                <a:solidFill>
-                  <a:schemeClr val="tx1"/>
-                </a:solidFill>
-                <a:latin typeface="Arial" charset="0"/>
-                <a:ea typeface="+mn-ea"/>
-                <a:cs typeface="Arial" charset="0"/>
-              </a:defRPr>
-            </a:lvl6pPr>
-            <a:lvl7pPr marL="2743200" algn="l" defTabSz="914400" rtl="0" eaLnBrk="1" latinLnBrk="0" hangingPunct="1">
-              <a:defRPr kern="1200">
-                <a:solidFill>
-                  <a:schemeClr val="tx1"/>
-                </a:solidFill>
-                <a:latin typeface="Arial" charset="0"/>
-                <a:ea typeface="+mn-ea"/>
-                <a:cs typeface="Arial" charset="0"/>
-              </a:defRPr>
-            </a:lvl7pPr>
-            <a:lvl8pPr marL="3200400" algn="l" defTabSz="914400" rtl="0" eaLnBrk="1" latinLnBrk="0" hangingPunct="1">
-              <a:defRPr kern="1200">
-                <a:solidFill>
-                  <a:schemeClr val="tx1"/>
-                </a:solidFill>
-                <a:latin typeface="Arial" charset="0"/>
-                <a:ea typeface="+mn-ea"/>
-                <a:cs typeface="Arial" charset="0"/>
-              </a:defRPr>
-            </a:lvl8pPr>
-            <a:lvl9pPr marL="3657600" algn="l" defTabSz="914400" rtl="0" eaLnBrk="1" latinLnBrk="0" hangingPunct="1">
-              <a:defRPr kern="1200">
-                <a:solidFill>
-                  <a:schemeClr val="tx1"/>
-                </a:solidFill>
-                <a:latin typeface="Arial" charset="0"/>
-                <a:ea typeface="+mn-ea"/>
-                <a:cs typeface="Arial" charset="0"/>
-              </a:defRPr>
-            </a:lvl9pPr>
-          </a:lstStyle>
-          <a:p>
-            <a:pPr defTabSz="872733"/>
-            <a:r>
-              <a:rPr lang="en-US" sz="2000" dirty="0">
-                <a:solidFill>
-                  <a:prstClr val="black"/>
-                </a:solidFill>
-                <a:latin typeface="Calibri" pitchFamily="34" charset="0"/>
-              </a:rPr>
-              <a:t>					</a:t>
-            </a:r>
-          </a:p>
-        </p:txBody>
-      </p:sp>
+              </a:endParaRPr>
+            </a:p>
+          </p:txBody>
+        </p:sp>
+      </p:grpSp>
       <p:sp>
         <p:nvSpPr>
           <p:cNvPr id="39" name="Rectangle 38">
@@ -4160,7 +4293,7 @@
         </p:nvSpPr>
         <p:spPr bwMode="auto">
           <a:xfrm>
-            <a:off x="714263" y="2811645"/>
+            <a:off x="690763" y="2315115"/>
             <a:ext cx="7667732" cy="2570795"/>
           </a:xfrm>
           <a:prstGeom prst="rect">
@@ -4335,7 +4468,7 @@
         </p:nvSpPr>
         <p:spPr bwMode="auto">
           <a:xfrm>
-            <a:off x="1581976" y="3852383"/>
+            <a:off x="1558476" y="3355853"/>
             <a:ext cx="3380676" cy="1036164"/>
           </a:xfrm>
           <a:prstGeom prst="rect">
@@ -4508,7 +4641,7 @@
         </p:nvSpPr>
         <p:spPr>
           <a:xfrm flipV="1">
-            <a:off x="713465" y="2807323"/>
+            <a:off x="689965" y="2310793"/>
             <a:ext cx="825821" cy="403761"/>
           </a:xfrm>
           <a:prstGeom prst="snip1Rect">
@@ -4562,7 +4695,7 @@
         </p:nvSpPr>
         <p:spPr bwMode="auto">
           <a:xfrm>
-            <a:off x="923908" y="1475560"/>
+            <a:off x="900408" y="979030"/>
             <a:ext cx="1596653" cy="600164"/>
           </a:xfrm>
           <a:prstGeom prst="rect">
@@ -4640,7 +4773,7 @@
         </p:nvSpPr>
         <p:spPr bwMode="auto">
           <a:xfrm>
-            <a:off x="7543844" y="1374088"/>
+            <a:off x="7530310" y="1437908"/>
             <a:ext cx="0" cy="4417111"/>
           </a:xfrm>
           <a:prstGeom prst="line">
@@ -4698,8 +4831,8 @@
         </p:nvSpPr>
         <p:spPr>
           <a:xfrm flipV="1">
-            <a:off x="517141" y="530786"/>
-            <a:ext cx="2988059" cy="383614"/>
+            <a:off x="195138" y="258847"/>
+            <a:ext cx="1769438" cy="383614"/>
           </a:xfrm>
           <a:prstGeom prst="snip1Rect">
             <a:avLst/>
@@ -4756,7 +4889,7 @@
         </p:nvSpPr>
         <p:spPr bwMode="auto">
           <a:xfrm>
-            <a:off x="685800" y="537722"/>
+            <a:off x="288175" y="242515"/>
             <a:ext cx="1676400" cy="381000"/>
           </a:xfrm>
           <a:prstGeom prst="rect">
@@ -4947,7 +5080,7 @@
         </p:nvSpPr>
         <p:spPr bwMode="auto">
           <a:xfrm>
-            <a:off x="770062" y="2803850"/>
+            <a:off x="746562" y="2307320"/>
             <a:ext cx="4724400" cy="381000"/>
           </a:xfrm>
           <a:prstGeom prst="rect">
@@ -5131,7 +5264,7 @@
         </p:nvSpPr>
         <p:spPr bwMode="auto">
           <a:xfrm flipV="1">
-            <a:off x="1708005" y="2529320"/>
+            <a:off x="1684505" y="2032790"/>
             <a:ext cx="1662379" cy="0"/>
           </a:xfrm>
           <a:prstGeom prst="line">
@@ -5176,7 +5309,7 @@
         </p:nvSpPr>
         <p:spPr bwMode="auto">
           <a:xfrm flipH="1">
-            <a:off x="4572000" y="2752799"/>
+            <a:off x="4548500" y="2256269"/>
             <a:ext cx="0" cy="3343201"/>
           </a:xfrm>
           <a:prstGeom prst="line">
@@ -5234,7 +5367,7 @@
         </p:nvSpPr>
         <p:spPr bwMode="auto">
           <a:xfrm flipV="1">
-            <a:off x="1699580" y="3257447"/>
+            <a:off x="1676080" y="2760917"/>
             <a:ext cx="5858493" cy="0"/>
           </a:xfrm>
           <a:prstGeom prst="line">
@@ -5279,7 +5412,7 @@
         </p:nvSpPr>
         <p:spPr bwMode="auto">
           <a:xfrm>
-            <a:off x="5873746" y="2875091"/>
+            <a:off x="5850246" y="2378561"/>
             <a:ext cx="1726338" cy="381000"/>
           </a:xfrm>
           <a:prstGeom prst="rect">
@@ -5472,8 +5605,8 @@
         </p:nvSpPr>
         <p:spPr bwMode="auto">
           <a:xfrm flipH="1">
-            <a:off x="1689167" y="3565265"/>
-            <a:ext cx="5812666" cy="0"/>
+            <a:off x="1665666" y="3037385"/>
+            <a:ext cx="5834259" cy="0"/>
           </a:xfrm>
           <a:prstGeom prst="line">
             <a:avLst/>
@@ -5518,7 +5651,7 @@
         </p:nvSpPr>
         <p:spPr bwMode="auto">
           <a:xfrm>
-            <a:off x="6690641" y="3544137"/>
+            <a:off x="6667141" y="3047607"/>
             <a:ext cx="863169" cy="381000"/>
           </a:xfrm>
           <a:prstGeom prst="rect">
@@ -5702,7 +5835,7 @@
         </p:nvSpPr>
         <p:spPr bwMode="auto">
           <a:xfrm flipV="1">
-            <a:off x="1722234" y="4482997"/>
+            <a:off x="1698734" y="3986467"/>
             <a:ext cx="2849766" cy="0"/>
           </a:xfrm>
           <a:prstGeom prst="line">
@@ -5745,7 +5878,7 @@
         </p:nvSpPr>
         <p:spPr bwMode="auto">
           <a:xfrm>
-            <a:off x="3581664" y="4140118"/>
+            <a:off x="3558164" y="3643588"/>
             <a:ext cx="823939" cy="381000"/>
           </a:xfrm>
           <a:prstGeom prst="rect">
@@ -5923,7 +6056,7 @@
         </p:nvSpPr>
         <p:spPr bwMode="auto">
           <a:xfrm flipH="1">
-            <a:off x="1708005" y="2083197"/>
+            <a:off x="1684505" y="1586667"/>
             <a:ext cx="0" cy="3832702"/>
           </a:xfrm>
           <a:prstGeom prst="line">
@@ -5981,7 +6114,7 @@
         </p:nvSpPr>
         <p:spPr>
           <a:xfrm flipV="1">
-            <a:off x="1577712" y="3852383"/>
+            <a:off x="1554212" y="3355853"/>
             <a:ext cx="623875" cy="374579"/>
           </a:xfrm>
           <a:prstGeom prst="snip1Rect">
@@ -6039,7 +6172,7 @@
         </p:nvSpPr>
         <p:spPr bwMode="auto">
           <a:xfrm>
-            <a:off x="1459135" y="3862294"/>
+            <a:off x="1435635" y="3365764"/>
             <a:ext cx="3573067" cy="381000"/>
           </a:xfrm>
           <a:prstGeom prst="rect">
@@ -6223,7 +6356,7 @@
         </p:nvSpPr>
         <p:spPr bwMode="auto">
           <a:xfrm flipH="1">
-            <a:off x="1730779" y="4730293"/>
+            <a:off x="1707279" y="4233763"/>
             <a:ext cx="2826992" cy="0"/>
           </a:xfrm>
           <a:prstGeom prst="line">
@@ -6357,7 +6490,7 @@
         </p:nvSpPr>
         <p:spPr>
           <a:xfrm>
-            <a:off x="3376659" y="2107857"/>
+            <a:off x="3353159" y="1611327"/>
             <a:ext cx="2537640" cy="618720"/>
           </a:xfrm>
           <a:prstGeom prst="rect">
@@ -6560,7 +6693,7 @@
                                           </p:stCondLst>
                                         </p:cTn>
                                         <p:tgtEl>
-                                          <p:spTgt spid="32"/>
+                                          <p:spTgt spid="35"/>
                                         </p:tgtEl>
                                         <p:attrNameLst>
                                           <p:attrName>style.visibility</p:attrName>
@@ -6587,7 +6720,7 @@
                                           </p:stCondLst>
                                         </p:cTn>
                                         <p:tgtEl>
-                                          <p:spTgt spid="35"/>
+                                          <p:spTgt spid="36"/>
                                         </p:tgtEl>
                                         <p:attrNameLst>
                                           <p:attrName>style.visibility</p:attrName>
@@ -6614,7 +6747,7 @@
                                           </p:stCondLst>
                                         </p:cTn>
                                         <p:tgtEl>
-                                          <p:spTgt spid="36"/>
+                                          <p:spTgt spid="39"/>
                                         </p:tgtEl>
                                         <p:attrNameLst>
                                           <p:attrName>style.visibility</p:attrName>
@@ -6641,7 +6774,7 @@
                                           </p:stCondLst>
                                         </p:cTn>
                                         <p:tgtEl>
-                                          <p:spTgt spid="39"/>
+                                          <p:spTgt spid="41"/>
                                         </p:tgtEl>
                                         <p:attrNameLst>
                                           <p:attrName>style.visibility</p:attrName>
@@ -6668,7 +6801,7 @@
                                           </p:stCondLst>
                                         </p:cTn>
                                         <p:tgtEl>
-                                          <p:spTgt spid="41"/>
+                                          <p:spTgt spid="56"/>
                                         </p:tgtEl>
                                         <p:attrNameLst>
                                           <p:attrName>style.visibility</p:attrName>
@@ -6682,7 +6815,7 @@
                                 </p:cTn>
                               </p:par>
                               <p:par>
-                                <p:cTn id="21" presetID="1" presetClass="entr" presetSubtype="0" fill="hold" grpId="0" nodeType="withEffect">
+                                <p:cTn id="21" presetID="1" presetClass="exit" presetSubtype="0" fill="hold" grpId="0" nodeType="withEffect">
                                   <p:stCondLst>
                                     <p:cond delay="0"/>
                                   </p:stCondLst>
@@ -6695,14 +6828,14 @@
                                           </p:stCondLst>
                                         </p:cTn>
                                         <p:tgtEl>
-                                          <p:spTgt spid="56"/>
+                                          <p:spTgt spid="58"/>
                                         </p:tgtEl>
                                         <p:attrNameLst>
                                           <p:attrName>style.visibility</p:attrName>
                                         </p:attrNameLst>
                                       </p:cBhvr>
                                       <p:to>
-                                        <p:strVal val="visible"/>
+                                        <p:strVal val="hidden"/>
                                       </p:to>
                                     </p:set>
                                   </p:childTnLst>
@@ -6722,7 +6855,7 @@
                                           </p:stCondLst>
                                         </p:cTn>
                                         <p:tgtEl>
-                                          <p:spTgt spid="58"/>
+                                          <p:spTgt spid="59"/>
                                         </p:tgtEl>
                                         <p:attrNameLst>
                                           <p:attrName>style.visibility</p:attrName>
@@ -6749,33 +6882,6 @@
                                           </p:stCondLst>
                                         </p:cTn>
                                         <p:tgtEl>
-                                          <p:spTgt spid="59"/>
-                                        </p:tgtEl>
-                                        <p:attrNameLst>
-                                          <p:attrName>style.visibility</p:attrName>
-                                        </p:attrNameLst>
-                                      </p:cBhvr>
-                                      <p:to>
-                                        <p:strVal val="hidden"/>
-                                      </p:to>
-                                    </p:set>
-                                  </p:childTnLst>
-                                </p:cTn>
-                              </p:par>
-                              <p:par>
-                                <p:cTn id="27" presetID="1" presetClass="exit" presetSubtype="0" fill="hold" grpId="0" nodeType="withEffect">
-                                  <p:stCondLst>
-                                    <p:cond delay="0"/>
-                                  </p:stCondLst>
-                                  <p:childTnLst>
-                                    <p:set>
-                                      <p:cBhvr>
-                                        <p:cTn id="28" dur="1" fill="hold">
-                                          <p:stCondLst>
-                                            <p:cond delay="0"/>
-                                          </p:stCondLst>
-                                        </p:cTn>
-                                        <p:tgtEl>
                                           <p:spTgt spid="60"/>
                                         </p:tgtEl>
                                         <p:attrNameLst>
@@ -6790,14 +6896,14 @@
                                 </p:cTn>
                               </p:par>
                               <p:par>
-                                <p:cTn id="29" presetID="1" presetClass="entr" presetSubtype="0" fill="hold" grpId="0" nodeType="withEffect">
+                                <p:cTn id="27" presetID="1" presetClass="entr" presetSubtype="0" fill="hold" grpId="0" nodeType="withEffect">
                                   <p:stCondLst>
                                     <p:cond delay="0"/>
                                   </p:stCondLst>
                                   <p:childTnLst>
                                     <p:set>
                                       <p:cBhvr>
-                                        <p:cTn id="30" dur="1" fill="hold">
+                                        <p:cTn id="28" dur="1" fill="hold">
                                           <p:stCondLst>
                                             <p:cond delay="0"/>
                                           </p:stCondLst>
@@ -6817,14 +6923,14 @@
                                 </p:cTn>
                               </p:par>
                               <p:par>
-                                <p:cTn id="31" presetID="1" presetClass="exit" presetSubtype="0" fill="hold" grpId="0" nodeType="withEffect">
+                                <p:cTn id="29" presetID="1" presetClass="exit" presetSubtype="0" fill="hold" grpId="0" nodeType="withEffect">
                                   <p:stCondLst>
                                     <p:cond delay="0"/>
                                   </p:stCondLst>
                                   <p:childTnLst>
                                     <p:set>
                                       <p:cBhvr>
-                                        <p:cTn id="32" dur="1" fill="hold">
+                                        <p:cTn id="30" dur="1" fill="hold">
                                           <p:stCondLst>
                                             <p:cond delay="0"/>
                                           </p:stCondLst>
@@ -6844,6 +6950,33 @@
                                 </p:cTn>
                               </p:par>
                               <p:par>
+                                <p:cTn id="31" presetID="1" presetClass="entr" presetSubtype="0" fill="hold" grpId="0" nodeType="withEffect">
+                                  <p:stCondLst>
+                                    <p:cond delay="0"/>
+                                  </p:stCondLst>
+                                  <p:childTnLst>
+                                    <p:set>
+                                      <p:cBhvr>
+                                        <p:cTn id="32" dur="1" fill="hold">
+                                          <p:stCondLst>
+                                            <p:cond delay="0"/>
+                                          </p:stCondLst>
+                                        </p:cTn>
+                                        <p:tgtEl>
+                                          <p:spTgt spid="63"/>
+                                        </p:tgtEl>
+                                        <p:attrNameLst>
+                                          <p:attrName>style.visibility</p:attrName>
+                                        </p:attrNameLst>
+                                      </p:cBhvr>
+                                      <p:to>
+                                        <p:strVal val="visible"/>
+                                      </p:to>
+                                    </p:set>
+                                  </p:childTnLst>
+                                </p:cTn>
+                              </p:par>
+                              <p:par>
                                 <p:cTn id="33" presetID="1" presetClass="entr" presetSubtype="0" fill="hold" grpId="0" nodeType="withEffect">
                                   <p:stCondLst>
                                     <p:cond delay="0"/>
@@ -6857,7 +6990,7 @@
                                           </p:stCondLst>
                                         </p:cTn>
                                         <p:tgtEl>
-                                          <p:spTgt spid="63"/>
+                                          <p:spTgt spid="64"/>
                                         </p:tgtEl>
                                         <p:attrNameLst>
                                           <p:attrName>style.visibility</p:attrName>
@@ -6884,7 +7017,7 @@
                                           </p:stCondLst>
                                         </p:cTn>
                                         <p:tgtEl>
-                                          <p:spTgt spid="64"/>
+                                          <p:spTgt spid="65"/>
                                         </p:tgtEl>
                                         <p:attrNameLst>
                                           <p:attrName>style.visibility</p:attrName>
@@ -6911,33 +7044,6 @@
                                           </p:stCondLst>
                                         </p:cTn>
                                         <p:tgtEl>
-                                          <p:spTgt spid="65"/>
-                                        </p:tgtEl>
-                                        <p:attrNameLst>
-                                          <p:attrName>style.visibility</p:attrName>
-                                        </p:attrNameLst>
-                                      </p:cBhvr>
-                                      <p:to>
-                                        <p:strVal val="visible"/>
-                                      </p:to>
-                                    </p:set>
-                                  </p:childTnLst>
-                                </p:cTn>
-                              </p:par>
-                              <p:par>
-                                <p:cTn id="39" presetID="1" presetClass="entr" presetSubtype="0" fill="hold" grpId="0" nodeType="withEffect">
-                                  <p:stCondLst>
-                                    <p:cond delay="0"/>
-                                  </p:stCondLst>
-                                  <p:childTnLst>
-                                    <p:set>
-                                      <p:cBhvr>
-                                        <p:cTn id="40" dur="1" fill="hold">
-                                          <p:stCondLst>
-                                            <p:cond delay="0"/>
-                                          </p:stCondLst>
-                                        </p:cTn>
-                                        <p:tgtEl>
                                           <p:spTgt spid="67"/>
                                         </p:tgtEl>
                                         <p:attrNameLst>
@@ -6952,14 +7058,14 @@
                                 </p:cTn>
                               </p:par>
                               <p:par>
-                                <p:cTn id="41" presetID="1" presetClass="exit" presetSubtype="0" fill="hold" grpId="0" nodeType="withEffect">
+                                <p:cTn id="39" presetID="1" presetClass="exit" presetSubtype="0" fill="hold" grpId="0" nodeType="withEffect">
                                   <p:stCondLst>
                                     <p:cond delay="0"/>
                                   </p:stCondLst>
                                   <p:childTnLst>
                                     <p:set>
                                       <p:cBhvr>
-                                        <p:cTn id="42" dur="1" fill="hold">
+                                        <p:cTn id="40" dur="1" fill="hold">
                                           <p:stCondLst>
                                             <p:cond delay="0"/>
                                           </p:stCondLst>
@@ -6979,14 +7085,14 @@
                                 </p:cTn>
                               </p:par>
                               <p:par>
-                                <p:cTn id="43" presetID="1" presetClass="entr" presetSubtype="0" fill="hold" grpId="0" nodeType="withEffect">
+                                <p:cTn id="41" presetID="1" presetClass="entr" presetSubtype="0" fill="hold" grpId="0" nodeType="withEffect">
                                   <p:stCondLst>
                                     <p:cond delay="0"/>
                                   </p:stCondLst>
                                   <p:childTnLst>
                                     <p:set>
                                       <p:cBhvr>
-                                        <p:cTn id="44" dur="1" fill="hold">
+                                        <p:cTn id="42" dur="1" fill="hold">
                                           <p:stCondLst>
                                             <p:cond delay="0"/>
                                           </p:stCondLst>
@@ -7006,14 +7112,14 @@
                                 </p:cTn>
                               </p:par>
                               <p:par>
-                                <p:cTn id="45" presetID="1" presetClass="exit" presetSubtype="0" fill="hold" grpId="0" nodeType="withEffect">
+                                <p:cTn id="43" presetID="1" presetClass="exit" presetSubtype="0" fill="hold" grpId="0" nodeType="withEffect">
                                   <p:stCondLst>
                                     <p:cond delay="0"/>
                                   </p:stCondLst>
                                   <p:childTnLst>
                                     <p:set>
                                       <p:cBhvr>
-                                        <p:cTn id="46" dur="1" fill="hold">
+                                        <p:cTn id="44" dur="1" fill="hold">
                                           <p:stCondLst>
                                             <p:cond delay="0"/>
                                           </p:stCondLst>
@@ -7060,7 +7166,6 @@
       </p:par>
     </p:tnLst>
     <p:bldLst>
-      <p:bldP spid="32" grpId="0" animBg="1"/>
       <p:bldP spid="39" grpId="0" animBg="1"/>
       <p:bldP spid="64" grpId="0" animBg="1"/>
       <p:bldP spid="41" grpId="0" animBg="1"/>

--- a/docs/slides/find items.pptx
+++ b/docs/slides/find items.pptx
@@ -4641,16 +4641,18 @@
         </p:nvSpPr>
         <p:spPr>
           <a:xfrm flipV="1">
-            <a:off x="689965" y="2310793"/>
+            <a:off x="692565" y="2312806"/>
             <a:ext cx="825821" cy="403761"/>
           </a:xfrm>
           <a:prstGeom prst="snip1Rect">
             <a:avLst/>
           </a:prstGeom>
           <a:solidFill>
-            <a:schemeClr val="bg1"/>
+            <a:schemeClr val="bg1">
+              <a:lumMod val="95000"/>
+            </a:schemeClr>
           </a:solidFill>
-          <a:ln>
+          <a:ln w="12700">
             <a:solidFill>
               <a:srgbClr val="0070C0"/>
             </a:solidFill>
@@ -4838,9 +4840,11 @@
             <a:avLst/>
           </a:prstGeom>
           <a:solidFill>
-            <a:schemeClr val="bg1"/>
+            <a:schemeClr val="bg1">
+              <a:lumMod val="95000"/>
+            </a:schemeClr>
           </a:solidFill>
-          <a:ln>
+          <a:ln w="12700">
             <a:solidFill>
               <a:srgbClr val="0070C0"/>
             </a:solidFill>
@@ -6121,9 +6125,11 @@
             <a:avLst/>
           </a:prstGeom>
           <a:solidFill>
-            <a:schemeClr val="bg1"/>
+            <a:schemeClr val="bg1">
+              <a:lumMod val="95000"/>
+            </a:schemeClr>
           </a:solidFill>
-          <a:ln>
+          <a:ln w="12700">
             <a:solidFill>
               <a:srgbClr val="0070C0"/>
             </a:solidFill>

--- a/docs/slides/find items.pptx
+++ b/docs/slides/find items.pptx
@@ -4775,7 +4775,7 @@
         </p:nvSpPr>
         <p:spPr bwMode="auto">
           <a:xfrm>
-            <a:off x="7530310" y="1437908"/>
+            <a:off x="7530310" y="1435032"/>
             <a:ext cx="0" cy="4417111"/>
           </a:xfrm>
           <a:prstGeom prst="line">
@@ -4834,7 +4834,7 @@
         <p:spPr>
           <a:xfrm flipV="1">
             <a:off x="195138" y="258847"/>
-            <a:ext cx="1769438" cy="383614"/>
+            <a:ext cx="1470528" cy="383614"/>
           </a:xfrm>
           <a:prstGeom prst="snip1Rect">
             <a:avLst/>
@@ -5050,7 +5050,7 @@
           <a:p>
             <a:pPr defTabSz="872733"/>
             <a:r>
-              <a:rPr lang="en-US" sz="2000" b="1" dirty="0" err="1">
+              <a:rPr lang="en-US" sz="1500" b="1" dirty="0" err="1">
                 <a:solidFill>
                   <a:prstClr val="black"/>
                 </a:solidFill>
@@ -5059,7 +5059,7 @@
               <a:t>sd</a:t>
             </a:r>
             <a:r>
-              <a:rPr lang="en-US" sz="2000" dirty="0">
+              <a:rPr lang="en-US" sz="1500" dirty="0">
                 <a:solidFill>
                   <a:prstClr val="black"/>
                 </a:solidFill>
@@ -5241,13 +5241,13 @@
           <a:p>
             <a:pPr defTabSz="872733"/>
             <a:r>
-              <a:rPr lang="en-US" sz="2000" dirty="0">
+              <a:rPr lang="en-US" sz="1500" dirty="0">
                 <a:solidFill>
                   <a:prstClr val="black"/>
                 </a:solidFill>
                 <a:cs typeface="Arial" charset="0"/>
               </a:rPr>
-              <a:t>loop         [until end of items]</a:t>
+              <a:t>  loop              [until end of items]</a:t>
             </a:r>
           </a:p>
         </p:txBody>
@@ -5416,8 +5416,8 @@
         </p:nvSpPr>
         <p:spPr bwMode="auto">
           <a:xfrm>
-            <a:off x="5850246" y="2378561"/>
-            <a:ext cx="1726338" cy="381000"/>
+            <a:off x="6036628" y="2378561"/>
+            <a:ext cx="1539956" cy="381000"/>
           </a:xfrm>
           <a:prstGeom prst="rect">
             <a:avLst/>
@@ -5573,7 +5573,7 @@
           <a:p>
             <a:pPr defTabSz="872733"/>
             <a:r>
-              <a:rPr lang="en-US" sz="2000" dirty="0" err="1">
+              <a:rPr lang="en-US" sz="1500" dirty="0" err="1">
                 <a:solidFill>
                   <a:prstClr val="black"/>
                 </a:solidFill>
@@ -5582,7 +5582,7 @@
               <a:t>getItem</a:t>
             </a:r>
             <a:r>
-              <a:rPr lang="en-US" sz="2000" dirty="0">
+              <a:rPr lang="en-US" sz="1500" dirty="0">
                 <a:solidFill>
                   <a:prstClr val="black"/>
                 </a:solidFill>
@@ -5655,8 +5655,8 @@
         </p:nvSpPr>
         <p:spPr bwMode="auto">
           <a:xfrm>
-            <a:off x="6667141" y="3047607"/>
-            <a:ext cx="863169" cy="381000"/>
+            <a:off x="6667142" y="3047607"/>
+            <a:ext cx="711974" cy="381000"/>
           </a:xfrm>
           <a:prstGeom prst="rect">
             <a:avLst/>
@@ -5812,7 +5812,7 @@
           <a:p>
             <a:pPr defTabSz="872733"/>
             <a:r>
-              <a:rPr lang="en-US" sz="2000" dirty="0">
+              <a:rPr lang="en-US" sz="1500" dirty="0">
                 <a:solidFill>
                   <a:prstClr val="black"/>
                 </a:solidFill>
@@ -6039,7 +6039,7 @@
           <a:p>
             <a:pPr defTabSz="872733"/>
             <a:r>
-              <a:rPr lang="en-US" sz="2000" dirty="0">
+              <a:rPr lang="en-US" sz="1500" dirty="0">
                 <a:solidFill>
                   <a:prstClr val="black"/>
                 </a:solidFill>
@@ -6335,13 +6335,13 @@
           <a:p>
             <a:pPr defTabSz="872733"/>
             <a:r>
-              <a:rPr lang="en-US" sz="2000" dirty="0">
+              <a:rPr lang="en-US" sz="1500" dirty="0">
                 <a:solidFill>
                   <a:prstClr val="black"/>
                 </a:solidFill>
                 <a:cs typeface="Arial" charset="0"/>
               </a:rPr>
-              <a:t>   opt   [t contains keyword]</a:t>
+              <a:t>   opt        [t contains keyword]</a:t>
             </a:r>
           </a:p>
         </p:txBody>
@@ -6406,8 +6406,8 @@
         </p:nvSpPr>
         <p:spPr>
           <a:xfrm>
-            <a:off x="6753713" y="904313"/>
-            <a:ext cx="1600193" cy="533595"/>
+            <a:off x="6753713" y="979031"/>
+            <a:ext cx="1704487" cy="458878"/>
           </a:xfrm>
           <a:prstGeom prst="rect">
             <a:avLst/>
@@ -6467,14 +6467,14 @@
               <a:buNone/>
             </a:pPr>
             <a:r>
-              <a:rPr lang="en-US" sz="1400" dirty="0" err="1">
+              <a:rPr lang="en-US" sz="1500" dirty="0" err="1">
                 <a:solidFill>
                   <a:prstClr val="black"/>
                 </a:solidFill>
               </a:rPr>
               <a:t>items:ShoppingList</a:t>
             </a:r>
-            <a:endParaRPr lang="en-US" sz="1400" dirty="0">
+            <a:endParaRPr lang="en-US" sz="1500" dirty="0">
               <a:solidFill>
                 <a:prstClr val="black"/>
               </a:solidFill>
@@ -6549,7 +6549,7 @@
           <a:p>
             <a:pPr algn="ctr"/>
             <a:r>
-              <a:rPr lang="en-US" sz="1400" dirty="0" err="1">
+              <a:rPr lang="en-US" sz="1500" dirty="0" err="1">
                 <a:solidFill>
                   <a:prstClr val="black"/>
                 </a:solidFill>
@@ -6557,7 +6557,7 @@
               <a:t>filteredItems:ArrayList</a:t>
             </a:r>
             <a:r>
-              <a:rPr lang="en-US" sz="1400" dirty="0">
+              <a:rPr lang="en-US" sz="1500" dirty="0">
                 <a:solidFill>
                   <a:prstClr val="black"/>
                 </a:solidFill>

--- a/docs/slides/find items.pptx
+++ b/docs/slides/find items.pptx
@@ -357,7 +357,7 @@
           <a:p>
             <a:fld id="{9629A0FB-7277-41B0-BEC2-EE35F8B0CE39}" type="datetimeFigureOut">
               <a:rPr lang="en-SG" smtClean="0"/>
-              <a:t>5/4/2020</a:t>
+              <a:t>9/4/2020</a:t>
             </a:fld>
             <a:endParaRPr lang="en-SG"/>
           </a:p>
@@ -4070,7 +4070,7 @@
                 <a:tabLst/>
                 <a:defRPr/>
               </a:pPr>
-              <a:endParaRPr kumimoji="0" lang="en-SG" sz="1800" b="0" i="0" u="none" strike="noStrike" kern="0" cap="none" spc="0" normalizeH="0" baseline="0" noProof="0">
+              <a:endParaRPr kumimoji="0" lang="en-SG" sz="1500" b="0" i="0" u="none" strike="noStrike" kern="0" cap="none" spc="0" normalizeH="0" baseline="0" noProof="0">
                 <a:ln>
                   <a:noFill/>
                 </a:ln>
@@ -4080,7 +4080,6 @@
                 <a:effectLst/>
                 <a:uLnTx/>
                 <a:uFillTx/>
-                <a:latin typeface="Calibri"/>
                 <a:ea typeface="+mn-ea"/>
                 <a:cs typeface="+mn-cs"/>
               </a:endParaRPr>
@@ -4259,7 +4258,7 @@
                 <a:tabLst/>
                 <a:defRPr/>
               </a:pPr>
-              <a:endParaRPr kumimoji="0" lang="en-US" sz="2000" b="0" i="0" u="none" strike="noStrike" kern="1200" cap="none" spc="0" normalizeH="0" baseline="0" noProof="0" dirty="0">
+              <a:endParaRPr kumimoji="0" lang="en-US" sz="1500" b="0" i="0" u="none" strike="noStrike" kern="1200" cap="none" spc="0" normalizeH="0" baseline="0" noProof="0" dirty="0">
                 <a:ln>
                   <a:noFill/>
                 </a:ln>
@@ -4269,7 +4268,6 @@
                 <a:effectLst/>
                 <a:uLnTx/>
                 <a:uFillTx/>
-                <a:latin typeface="Calibri"/>
                 <a:ea typeface="+mn-ea"/>
                 <a:cs typeface="Arial" charset="0"/>
               </a:endParaRPr>
@@ -4441,11 +4439,11 @@
           <a:p>
             <a:pPr defTabSz="872733"/>
             <a:r>
-              <a:rPr lang="en-US" sz="2000" dirty="0">
+              <a:rPr lang="en-US" sz="1500" dirty="0">
                 <a:solidFill>
                   <a:prstClr val="black"/>
                 </a:solidFill>
-                <a:latin typeface="Calibri" pitchFamily="34" charset="0"/>
+                <a:latin typeface="+mn-lt"/>
               </a:rPr>
               <a:t>					</a:t>
             </a:r>
@@ -4616,11 +4614,11 @@
           <a:p>
             <a:pPr defTabSz="872733"/>
             <a:r>
-              <a:rPr lang="en-US" sz="2000" dirty="0">
+              <a:rPr lang="en-US" sz="1500" dirty="0">
                 <a:solidFill>
                   <a:prstClr val="black"/>
                 </a:solidFill>
-                <a:latin typeface="Calibri" pitchFamily="34" charset="0"/>
+                <a:latin typeface="+mn-lt"/>
               </a:rPr>
               <a:t>					</a:t>
             </a:r>
@@ -4679,7 +4677,7 @@
           <a:lstStyle/>
           <a:p>
             <a:pPr algn="ctr" defTabSz="872733"/>
-            <a:endParaRPr lang="en-US" sz="2000" dirty="0">
+            <a:endParaRPr lang="en-US" sz="1500" dirty="0">
               <a:solidFill>
                 <a:prstClr val="black"/>
               </a:solidFill>
@@ -4833,7 +4831,7 @@
         </p:nvSpPr>
         <p:spPr>
           <a:xfrm flipV="1">
-            <a:off x="195138" y="258847"/>
+            <a:off x="205872" y="258847"/>
             <a:ext cx="1470528" cy="383614"/>
           </a:xfrm>
           <a:prstGeom prst="snip1Rect">
@@ -4871,7 +4869,7 @@
           <a:lstStyle/>
           <a:p>
             <a:pPr algn="ctr" defTabSz="872733"/>
-            <a:endParaRPr lang="en-US" sz="2000">
+            <a:endParaRPr lang="en-US" sz="1500">
               <a:solidFill>
                 <a:prstClr val="black"/>
               </a:solidFill>
@@ -5608,9 +5606,9 @@
           <p:nvPr/>
         </p:nvSpPr>
         <p:spPr bwMode="auto">
-          <a:xfrm flipH="1">
-            <a:off x="1665666" y="3037385"/>
-            <a:ext cx="5834259" cy="0"/>
+          <a:xfrm flipH="1" flipV="1">
+            <a:off x="1676080" y="3031275"/>
+            <a:ext cx="5867720" cy="0"/>
           </a:xfrm>
           <a:prstGeom prst="line">
             <a:avLst/>
@@ -6156,7 +6154,7 @@
           <a:lstStyle/>
           <a:p>
             <a:pPr algn="ctr" defTabSz="872733"/>
-            <a:endParaRPr lang="en-US" sz="2000" dirty="0">
+            <a:endParaRPr lang="en-US" sz="1500" dirty="0">
               <a:solidFill>
                 <a:prstClr val="black"/>
               </a:solidFill>
@@ -6394,10 +6392,10 @@
       </p:sp>
       <p:sp>
         <p:nvSpPr>
-          <p:cNvPr id="26" name="Google Shape;62;p14">
+          <p:cNvPr id="27" name="Google Shape;61;p14">
             <a:extLst>
               <a:ext uri="{FF2B5EF4-FFF2-40B4-BE49-F238E27FC236}">
-                <a16:creationId xmlns:a16="http://schemas.microsoft.com/office/drawing/2014/main" id="{7DB4F17F-C472-4B19-AECE-8CC69163C829}"/>
+                <a16:creationId xmlns:a16="http://schemas.microsoft.com/office/drawing/2014/main" id="{E6261CD8-BF43-4A6A-A44B-FDC1D1AB7D28}"/>
               </a:ext>
             </a:extLst>
           </p:cNvPr>
@@ -6406,8 +6404,97 @@
         </p:nvSpPr>
         <p:spPr>
           <a:xfrm>
-            <a:off x="6753713" y="979031"/>
-            <a:ext cx="1704487" cy="458878"/>
+            <a:off x="3353159" y="1611327"/>
+            <a:ext cx="2537640" cy="618720"/>
+          </a:xfrm>
+          <a:prstGeom prst="rect">
+            <a:avLst/>
+          </a:prstGeom>
+          <a:gradFill>
+            <a:gsLst>
+              <a:gs pos="0">
+                <a:srgbClr val="9FC3FF"/>
+              </a:gs>
+              <a:gs pos="35000">
+                <a:srgbClr val="BDD5FF"/>
+              </a:gs>
+              <a:gs pos="100000">
+                <a:srgbClr val="E4EEFF"/>
+              </a:gs>
+            </a:gsLst>
+            <a:lin ang="16198662" scaled="0"/>
+          </a:gradFill>
+          <a:ln w="19050" cap="flat" cmpd="sng">
+            <a:solidFill>
+              <a:srgbClr val="9FC3FF"/>
+            </a:solidFill>
+            <a:prstDash val="solid"/>
+            <a:round/>
+            <a:headEnd type="none" w="sm" len="sm"/>
+            <a:tailEnd type="none" w="sm" len="sm"/>
+          </a:ln>
+          <a:effectLst>
+            <a:outerShdw blurRad="40000" dist="20000" dir="5400000" rotWithShape="0">
+              <a:srgbClr val="000000">
+                <a:alpha val="37650"/>
+              </a:srgbClr>
+            </a:outerShdw>
+          </a:effectLst>
+        </p:spPr>
+        <p:txBody>
+          <a:bodyPr spcFirstLastPara="1" wrap="square" lIns="91425" tIns="45700" rIns="91425" bIns="45700" anchor="ctr" anchorCtr="0">
+            <a:noAutofit/>
+          </a:bodyPr>
+          <a:lstStyle/>
+          <a:p>
+            <a:pPr algn="ctr"/>
+            <a:endParaRPr lang="en-US" sz="1500" dirty="0">
+              <a:solidFill>
+                <a:prstClr val="black"/>
+              </a:solidFill>
+            </a:endParaRPr>
+          </a:p>
+          <a:p>
+            <a:pPr algn="ctr"/>
+            <a:r>
+              <a:rPr lang="en-US" sz="1500" dirty="0" err="1">
+                <a:solidFill>
+                  <a:prstClr val="black"/>
+                </a:solidFill>
+              </a:rPr>
+              <a:t>filteredItems:ArrayList</a:t>
+            </a:r>
+            <a:r>
+              <a:rPr lang="en-US" sz="1500" dirty="0">
+                <a:solidFill>
+                  <a:prstClr val="black"/>
+                </a:solidFill>
+              </a:rPr>
+              <a:t>&lt;Item&gt;</a:t>
+            </a:r>
+          </a:p>
+          <a:p>
+            <a:pPr algn="ctr"/>
+            <a:endParaRPr lang="en-SG" sz="1500" dirty="0"/>
+          </a:p>
+        </p:txBody>
+      </p:sp>
+      <p:sp>
+        <p:nvSpPr>
+          <p:cNvPr id="28" name="Google Shape;62;p14">
+            <a:extLst>
+              <a:ext uri="{FF2B5EF4-FFF2-40B4-BE49-F238E27FC236}">
+                <a16:creationId xmlns:a16="http://schemas.microsoft.com/office/drawing/2014/main" id="{B3EA8B2E-6B86-4EE4-8893-C3A736FFA398}"/>
+              </a:ext>
+            </a:extLst>
+          </p:cNvPr>
+          <p:cNvSpPr/>
+          <p:nvPr/>
+        </p:nvSpPr>
+        <p:spPr>
+          <a:xfrm>
+            <a:off x="6506323" y="942137"/>
+            <a:ext cx="2047974" cy="621958"/>
           </a:xfrm>
           <a:prstGeom prst="rect">
             <a:avLst/>
@@ -6459,115 +6546,40 @@
           </a:bodyPr>
           <a:lstStyle/>
           <a:p>
-            <a:pPr algn="ctr" defTabSz="872733">
-              <a:spcBef>
-                <a:spcPct val="50000"/>
-              </a:spcBef>
-              <a:buFont typeface="Wingdings" pitchFamily="2" charset="2"/>
-              <a:buNone/>
-            </a:pPr>
-            <a:r>
-              <a:rPr lang="en-US" sz="1500" dirty="0" err="1">
-                <a:solidFill>
-                  <a:prstClr val="black"/>
-                </a:solidFill>
-              </a:rPr>
-              <a:t>items:ShoppingList</a:t>
-            </a:r>
-            <a:endParaRPr lang="en-US" sz="1500" dirty="0">
+            <a:pPr algn="ctr"/>
+            <a:endParaRPr lang="en-US" sz="1500" kern="0" dirty="0">
               <a:solidFill>
                 <a:prstClr val="black"/>
               </a:solidFill>
             </a:endParaRPr>
           </a:p>
-        </p:txBody>
-      </p:sp>
-      <p:sp>
-        <p:nvSpPr>
-          <p:cNvPr id="27" name="Google Shape;61;p14">
-            <a:extLst>
-              <a:ext uri="{FF2B5EF4-FFF2-40B4-BE49-F238E27FC236}">
-                <a16:creationId xmlns:a16="http://schemas.microsoft.com/office/drawing/2014/main" id="{E6261CD8-BF43-4A6A-A44B-FDC1D1AB7D28}"/>
-              </a:ext>
-            </a:extLst>
-          </p:cNvPr>
-          <p:cNvSpPr/>
-          <p:nvPr/>
-        </p:nvSpPr>
-        <p:spPr>
-          <a:xfrm>
-            <a:off x="3353159" y="1611327"/>
-            <a:ext cx="2537640" cy="618720"/>
-          </a:xfrm>
-          <a:prstGeom prst="rect">
-            <a:avLst/>
-          </a:prstGeom>
-          <a:gradFill>
-            <a:gsLst>
-              <a:gs pos="0">
-                <a:srgbClr val="9FC3FF"/>
-              </a:gs>
-              <a:gs pos="35000">
-                <a:srgbClr val="BDD5FF"/>
-              </a:gs>
-              <a:gs pos="100000">
-                <a:srgbClr val="E4EEFF"/>
-              </a:gs>
-            </a:gsLst>
-            <a:lin ang="16198662" scaled="0"/>
-          </a:gradFill>
-          <a:ln w="19050" cap="flat" cmpd="sng">
-            <a:solidFill>
-              <a:srgbClr val="9FC3FF"/>
-            </a:solidFill>
-            <a:prstDash val="solid"/>
-            <a:round/>
-            <a:headEnd type="none" w="sm" len="sm"/>
-            <a:tailEnd type="none" w="sm" len="sm"/>
-          </a:ln>
-          <a:effectLst>
-            <a:outerShdw blurRad="40000" dist="20000" dir="5400000" rotWithShape="0">
-              <a:srgbClr val="000000">
-                <a:alpha val="37650"/>
-              </a:srgbClr>
-            </a:outerShdw>
-          </a:effectLst>
-        </p:spPr>
-        <p:txBody>
-          <a:bodyPr spcFirstLastPara="1" wrap="square" lIns="91425" tIns="45700" rIns="91425" bIns="45700" anchor="ctr" anchorCtr="0">
-            <a:noAutofit/>
-          </a:bodyPr>
-          <a:lstStyle/>
           <a:p>
             <a:pPr algn="ctr"/>
-            <a:endParaRPr lang="en-US" sz="1400" dirty="0">
+            <a:r>
+              <a:rPr lang="en-US" sz="1500" kern="0" dirty="0" err="1">
+                <a:solidFill>
+                  <a:prstClr val="black"/>
+                </a:solidFill>
+              </a:rPr>
+              <a:t>items:ShoppingList</a:t>
+            </a:r>
+            <a:endParaRPr lang="en-US" sz="1500" kern="0" dirty="0">
               <a:solidFill>
                 <a:prstClr val="black"/>
               </a:solidFill>
             </a:endParaRPr>
           </a:p>
           <a:p>
-            <a:pPr algn="ctr"/>
-            <a:r>
-              <a:rPr lang="en-US" sz="1500" dirty="0" err="1">
-                <a:solidFill>
-                  <a:prstClr val="black"/>
-                </a:solidFill>
-              </a:rPr>
-              <a:t>filteredItems:ArrayList</a:t>
-            </a:r>
-            <a:r>
-              <a:rPr lang="en-US" sz="1500" dirty="0">
-                <a:solidFill>
-                  <a:prstClr val="black"/>
-                </a:solidFill>
-              </a:rPr>
-              <a:t>&lt;Item&gt;</a:t>
-            </a:r>
-          </a:p>
-          <a:p>
-            <a:pPr algn="ctr"/>
-            <a:endParaRPr lang="en-SG" sz="1300" dirty="0"/>
+            <a:pPr marL="0" marR="0" lvl="0" indent="0" algn="ctr" rtl="0">
+              <a:spcBef>
+                <a:spcPts val="0"/>
+              </a:spcBef>
+              <a:spcAft>
+                <a:spcPts val="0"/>
+              </a:spcAft>
+              <a:buNone/>
+            </a:pPr>
+            <a:endParaRPr sz="1500" dirty="0"/>
           </a:p>
         </p:txBody>
       </p:sp>
